--- a/Documents/Presentation.pptx
+++ b/Documents/Presentation.pptx
@@ -110,6 +110,11 @@
       </a:defRPr>
     </a:lvl9pPr>
   </p:defaultTextStyle>
+  <p:extLst>
+    <p:ext uri="{EFAFB233-063F-42B5-8137-9DF3F51BA10A}">
+      <p15:sldGuideLst xmlns:p15="http://schemas.microsoft.com/office/powerpoint/2012/main"/>
+    </p:ext>
+  </p:extLst>
 </p:presentation>
 </file>
 
@@ -339,7 +344,7 @@
           <a:p>
             <a:fld id="{72230D28-D1D2-4E1B-AFCC-462068E479B1}" type="datetimeFigureOut">
               <a:rPr lang="en-US" smtClean="0"/>
-              <a:t>4/21/2021</a:t>
+              <a:t>4/26/2021</a:t>
             </a:fld>
             <a:endParaRPr lang="en-US"/>
           </a:p>
@@ -547,7 +552,7 @@
           <a:p>
             <a:fld id="{72230D28-D1D2-4E1B-AFCC-462068E479B1}" type="datetimeFigureOut">
               <a:rPr lang="en-US" smtClean="0"/>
-              <a:t>4/21/2021</a:t>
+              <a:t>4/26/2021</a:t>
             </a:fld>
             <a:endParaRPr lang="en-US"/>
           </a:p>
@@ -803,7 +808,7 @@
           <a:p>
             <a:fld id="{72230D28-D1D2-4E1B-AFCC-462068E479B1}" type="datetimeFigureOut">
               <a:rPr lang="en-US" smtClean="0"/>
-              <a:t>4/21/2021</a:t>
+              <a:t>4/26/2021</a:t>
             </a:fld>
             <a:endParaRPr lang="en-US"/>
           </a:p>
@@ -973,7 +978,7 @@
           <a:p>
             <a:fld id="{72230D28-D1D2-4E1B-AFCC-462068E479B1}" type="datetimeFigureOut">
               <a:rPr lang="en-US" smtClean="0"/>
-              <a:t>4/21/2021</a:t>
+              <a:t>4/26/2021</a:t>
             </a:fld>
             <a:endParaRPr lang="en-US"/>
           </a:p>
@@ -1316,7 +1321,7 @@
           <a:p>
             <a:fld id="{72230D28-D1D2-4E1B-AFCC-462068E479B1}" type="datetimeFigureOut">
               <a:rPr lang="en-US" smtClean="0"/>
-              <a:t>4/21/2021</a:t>
+              <a:t>4/26/2021</a:t>
             </a:fld>
             <a:endParaRPr lang="en-US"/>
           </a:p>
@@ -1591,7 +1596,7 @@
           <a:p>
             <a:fld id="{72230D28-D1D2-4E1B-AFCC-462068E479B1}" type="datetimeFigureOut">
               <a:rPr lang="en-US" smtClean="0"/>
-              <a:t>4/21/2021</a:t>
+              <a:t>4/26/2021</a:t>
             </a:fld>
             <a:endParaRPr lang="en-US"/>
           </a:p>
@@ -1970,7 +1975,7 @@
           <a:p>
             <a:fld id="{72230D28-D1D2-4E1B-AFCC-462068E479B1}" type="datetimeFigureOut">
               <a:rPr lang="en-US" smtClean="0"/>
-              <a:t>4/21/2021</a:t>
+              <a:t>4/26/2021</a:t>
             </a:fld>
             <a:endParaRPr lang="en-US"/>
           </a:p>
@@ -2088,7 +2093,7 @@
           <a:p>
             <a:fld id="{72230D28-D1D2-4E1B-AFCC-462068E479B1}" type="datetimeFigureOut">
               <a:rPr lang="en-US" smtClean="0"/>
-              <a:t>4/21/2021</a:t>
+              <a:t>4/26/2021</a:t>
             </a:fld>
             <a:endParaRPr lang="en-US"/>
           </a:p>
@@ -2259,7 +2264,7 @@
           <a:p>
             <a:fld id="{72230D28-D1D2-4E1B-AFCC-462068E479B1}" type="datetimeFigureOut">
               <a:rPr lang="en-US" smtClean="0"/>
-              <a:t>4/21/2021</a:t>
+              <a:t>4/26/2021</a:t>
             </a:fld>
             <a:endParaRPr lang="en-US"/>
           </a:p>
@@ -2613,7 +2618,7 @@
           <a:p>
             <a:fld id="{72230D28-D1D2-4E1B-AFCC-462068E479B1}" type="datetimeFigureOut">
               <a:rPr lang="en-US" smtClean="0"/>
-              <a:t>4/21/2021</a:t>
+              <a:t>4/26/2021</a:t>
             </a:fld>
             <a:endParaRPr lang="en-US"/>
           </a:p>
@@ -2990,7 +2995,7 @@
           <a:p>
             <a:fld id="{72230D28-D1D2-4E1B-AFCC-462068E479B1}" type="datetimeFigureOut">
               <a:rPr lang="en-US" smtClean="0"/>
-              <a:t>4/21/2021</a:t>
+              <a:t>4/26/2021</a:t>
             </a:fld>
             <a:endParaRPr lang="en-US"/>
           </a:p>
@@ -3277,7 +3282,7 @@
           <a:p>
             <a:fld id="{72230D28-D1D2-4E1B-AFCC-462068E479B1}" type="datetimeFigureOut">
               <a:rPr lang="en-US" smtClean="0"/>
-              <a:t>4/21/2021</a:t>
+              <a:t>4/26/2021</a:t>
             </a:fld>
             <a:endParaRPr lang="en-US"/>
           </a:p>
@@ -4207,12 +4212,12 @@
           <a:lstStyle/>
           <a:p>
             <a:r>
-              <a:rPr lang="bg-BG" dirty="0">
+              <a:rPr lang="en-US">
                 <a:latin typeface="+mn-lt"/>
                 <a:ea typeface="+mn-ea"/>
                 <a:cs typeface="+mn-cs"/>
               </a:rPr>
-              <a:t>Нашият отбор</a:t>
+              <a:t>Contributors</a:t>
             </a:r>
             <a:endParaRPr lang="en-US" dirty="0">
               <a:latin typeface="+mn-lt"/>
@@ -4296,10 +4301,12 @@
               <a:t>• </a:t>
             </a:r>
             <a:r>
-              <a:rPr lang="bg-BG" b="0" i="0" dirty="0">
-                <a:effectLst/>
-              </a:rPr>
-              <a:t>Георги Малчев</a:t>
+              <a:rPr lang="en-US" dirty="0"/>
+              <a:t>George </a:t>
+            </a:r>
+            <a:r>
+              <a:rPr lang="en-US" dirty="0" err="1"/>
+              <a:t>Malchev</a:t>
             </a:r>
             <a:r>
               <a:rPr lang="en-US" b="0" i="0" dirty="0">
@@ -4313,19 +4320,7 @@
               <a:rPr lang="en-US" b="0" i="0" dirty="0">
                 <a:effectLst/>
               </a:rPr>
-              <a:t>• </a:t>
-            </a:r>
-            <a:r>
-              <a:rPr lang="bg-BG" b="0" i="0" dirty="0">
-                <a:effectLst/>
-              </a:rPr>
-              <a:t>Иван Михайлов</a:t>
-            </a:r>
-            <a:r>
-              <a:rPr lang="en-US" b="0" i="0" dirty="0">
-                <a:effectLst/>
-              </a:rPr>
-              <a:t>(INMihaylov19) - Frontend developer</a:t>
+              <a:t>• Ivan Mihaylov(INMihaylov19) - Frontend developer</a:t>
             </a:r>
           </a:p>
           <a:p>
@@ -4336,10 +4331,12 @@
               <a:t>• </a:t>
             </a:r>
             <a:r>
-              <a:rPr lang="bg-BG" b="0" i="0" dirty="0">
-                <a:effectLst/>
-              </a:rPr>
-              <a:t>Егор Семенов</a:t>
+              <a:rPr lang="en-US" dirty="0" err="1"/>
+              <a:t>Egor</a:t>
+            </a:r>
+            <a:r>
+              <a:rPr lang="en-US" dirty="0"/>
+              <a:t> Semenov</a:t>
             </a:r>
             <a:r>
               <a:rPr lang="en-US" b="0" i="0" dirty="0">
@@ -4356,10 +4353,8 @@
               <a:t>• </a:t>
             </a:r>
             <a:r>
-              <a:rPr lang="bg-BG" b="0" i="0" dirty="0">
-                <a:effectLst/>
-              </a:rPr>
-              <a:t>Николай Димитров</a:t>
+              <a:rPr lang="en-US" dirty="0"/>
+              <a:t>Nikolay Dimitrov</a:t>
             </a:r>
             <a:r>
               <a:rPr lang="en-US" b="0" i="0" dirty="0">
@@ -4759,20 +4754,14 @@
           <a:lstStyle/>
           <a:p>
             <a:r>
-              <a:rPr lang="en-US" dirty="0" err="1">
+              <a:rPr lang="en-US" dirty="0">
                 <a:solidFill>
                   <a:srgbClr val="FFFFFF"/>
                 </a:solidFill>
                 <a:latin typeface="+mn-lt"/>
               </a:rPr>
-              <a:t>Тема</a:t>
-            </a:r>
-            <a:endParaRPr lang="en-US" dirty="0">
-              <a:solidFill>
-                <a:srgbClr val="FFFFFF"/>
-              </a:solidFill>
-              <a:latin typeface="+mn-lt"/>
-            </a:endParaRPr>
+              <a:t>Topic</a:t>
+            </a:r>
           </a:p>
         </p:txBody>
       </p:sp>
@@ -5123,17 +5112,6 @@
           <a:lstStyle/>
           <a:p>
             <a:r>
-              <a:rPr lang="en-US" sz="7400" dirty="0" err="1">
-                <a:solidFill>
-                  <a:schemeClr val="tx1">
-                    <a:lumMod val="85000"/>
-                    <a:lumOff val="15000"/>
-                  </a:schemeClr>
-                </a:solidFill>
-              </a:rPr>
-              <a:t>Етапи</a:t>
-            </a:r>
-            <a:r>
               <a:rPr lang="en-US" sz="7400" dirty="0">
                 <a:solidFill>
                   <a:schemeClr val="tx1">
@@ -5142,49 +5120,8 @@
                   </a:schemeClr>
                 </a:solidFill>
               </a:rPr>
-              <a:t> </a:t>
-            </a:r>
-            <a:r>
-              <a:rPr lang="en-US" sz="7400" dirty="0" err="1">
-                <a:solidFill>
-                  <a:schemeClr val="tx1">
-                    <a:lumMod val="85000"/>
-                    <a:lumOff val="15000"/>
-                  </a:schemeClr>
-                </a:solidFill>
-              </a:rPr>
-              <a:t>на</a:t>
-            </a:r>
-            <a:r>
-              <a:rPr lang="en-US" sz="7400" dirty="0">
-                <a:solidFill>
-                  <a:schemeClr val="tx1">
-                    <a:lumMod val="85000"/>
-                    <a:lumOff val="15000"/>
-                  </a:schemeClr>
-                </a:solidFill>
-              </a:rPr>
-              <a:t> </a:t>
-            </a:r>
-            <a:r>
-              <a:rPr lang="en-US" sz="7400" dirty="0" err="1">
-                <a:solidFill>
-                  <a:schemeClr val="tx1">
-                    <a:lumMod val="85000"/>
-                    <a:lumOff val="15000"/>
-                  </a:schemeClr>
-                </a:solidFill>
-              </a:rPr>
-              <a:t>реализация</a:t>
-            </a:r>
-            <a:endParaRPr lang="en-US" sz="7400" dirty="0">
-              <a:solidFill>
-                <a:schemeClr val="tx1">
-                  <a:lumMod val="85000"/>
-                  <a:lumOff val="15000"/>
-                </a:schemeClr>
-              </a:solidFill>
-            </a:endParaRPr>
+              <a:t>Milestones of realization</a:t>
+            </a:r>
           </a:p>
         </p:txBody>
       </p:sp>
@@ -5685,7 +5622,7 @@
           <a:lstStyle/>
           <a:p>
             <a:r>
-              <a:rPr lang="en-US" sz="6000">
+              <a:rPr lang="en-US" sz="6000" dirty="0">
                 <a:solidFill>
                   <a:schemeClr val="tx1">
                     <a:lumMod val="85000"/>
@@ -5693,7 +5630,7 @@
                   </a:schemeClr>
                 </a:solidFill>
               </a:rPr>
-              <a:t>Използвани технологии</a:t>
+              <a:t>Used technologies</a:t>
             </a:r>
           </a:p>
         </p:txBody>
@@ -6366,7 +6303,7 @@
           <a:lstStyle/>
           <a:p>
             <a:r>
-              <a:rPr lang="en-US" sz="6000">
+              <a:rPr lang="en-US" sz="6000" dirty="0">
                 <a:solidFill>
                   <a:schemeClr val="tx1">
                     <a:lumMod val="85000"/>
@@ -6374,7 +6311,7 @@
                   </a:schemeClr>
                 </a:solidFill>
               </a:rPr>
-              <a:t>Бърз преглед на продукта</a:t>
+              <a:t>Quick review of the product</a:t>
             </a:r>
           </a:p>
         </p:txBody>
@@ -6975,7 +6912,7 @@
           <a:lstStyle/>
           <a:p>
             <a:r>
-              <a:rPr lang="en-US" sz="8000">
+              <a:rPr lang="en-US" sz="8000" dirty="0">
                 <a:solidFill>
                   <a:schemeClr val="tx1">
                     <a:lumMod val="85000"/>
@@ -6983,7 +6920,7 @@
                   </a:schemeClr>
                 </a:solidFill>
               </a:rPr>
-              <a:t>Благодарим за вниманието!!</a:t>
+              <a:t>Thank you for your attention!!</a:t>
             </a:r>
           </a:p>
         </p:txBody>

--- a/Documents/Presentation.pptx
+++ b/Documents/Presentation.pptx
@@ -4155,6 +4155,9 @@
   <p:clrMapOvr>
     <a:masterClrMapping/>
   </p:clrMapOvr>
+  <p:transition spd="slow">
+    <p:push dir="u"/>
+  </p:transition>
 </p:sld>
 </file>
 
@@ -4212,18 +4215,13 @@
           <a:lstStyle/>
           <a:p>
             <a:r>
-              <a:rPr lang="en-US">
+              <a:rPr lang="en-US" dirty="0">
                 <a:latin typeface="+mn-lt"/>
                 <a:ea typeface="+mn-ea"/>
                 <a:cs typeface="+mn-cs"/>
               </a:rPr>
               <a:t>Contributors</a:t>
             </a:r>
-            <a:endParaRPr lang="en-US" dirty="0">
-              <a:latin typeface="+mn-lt"/>
-              <a:ea typeface="+mn-ea"/>
-              <a:cs typeface="+mn-cs"/>
-            </a:endParaRPr>
           </a:p>
         </p:txBody>
       </p:sp>
@@ -4258,7 +4256,7 @@
         </p:blipFill>
         <p:spPr>
           <a:xfrm>
-            <a:off x="1076432" y="2104325"/>
+            <a:off x="1097280" y="2073881"/>
             <a:ext cx="3094997" cy="3094997"/>
           </a:xfrm>
           <a:prstGeom prst="rect">
@@ -4378,6 +4376,392 @@
   <p:clrMapOvr>
     <a:masterClrMapping/>
   </p:clrMapOvr>
+  <p:transition spd="slow">
+    <p:push dir="u"/>
+  </p:transition>
+  <p:timing>
+    <p:tnLst>
+      <p:par>
+        <p:cTn id="1" dur="indefinite" restart="never" nodeType="tmRoot">
+          <p:childTnLst>
+            <p:seq concurrent="1" nextAc="seek">
+              <p:cTn id="2" dur="indefinite" nodeType="mainSeq">
+                <p:childTnLst>
+                  <p:par>
+                    <p:cTn id="3" fill="hold">
+                      <p:stCondLst>
+                        <p:cond delay="indefinite"/>
+                      </p:stCondLst>
+                      <p:childTnLst>
+                        <p:par>
+                          <p:cTn id="4" fill="hold">
+                            <p:stCondLst>
+                              <p:cond delay="0"/>
+                            </p:stCondLst>
+                            <p:childTnLst>
+                              <p:par>
+                                <p:cTn id="5" presetID="22" presetClass="entr" presetSubtype="4" fill="hold" grpId="0" nodeType="clickEffect">
+                                  <p:stCondLst>
+                                    <p:cond delay="0"/>
+                                  </p:stCondLst>
+                                  <p:childTnLst>
+                                    <p:set>
+                                      <p:cBhvr>
+                                        <p:cTn id="6" dur="1" fill="hold">
+                                          <p:stCondLst>
+                                            <p:cond delay="0"/>
+                                          </p:stCondLst>
+                                        </p:cTn>
+                                        <p:tgtEl>
+                                          <p:spTgt spid="2"/>
+                                        </p:tgtEl>
+                                        <p:attrNameLst>
+                                          <p:attrName>style.visibility</p:attrName>
+                                        </p:attrNameLst>
+                                      </p:cBhvr>
+                                      <p:to>
+                                        <p:strVal val="visible"/>
+                                      </p:to>
+                                    </p:set>
+                                    <p:animEffect transition="in" filter="wipe(down)">
+                                      <p:cBhvr>
+                                        <p:cTn id="7" dur="500"/>
+                                        <p:tgtEl>
+                                          <p:spTgt spid="2"/>
+                                        </p:tgtEl>
+                                      </p:cBhvr>
+                                    </p:animEffect>
+                                  </p:childTnLst>
+                                </p:cTn>
+                              </p:par>
+                            </p:childTnLst>
+                          </p:cTn>
+                        </p:par>
+                      </p:childTnLst>
+                    </p:cTn>
+                  </p:par>
+                  <p:par>
+                    <p:cTn id="8" fill="hold">
+                      <p:stCondLst>
+                        <p:cond delay="indefinite"/>
+                      </p:stCondLst>
+                      <p:childTnLst>
+                        <p:par>
+                          <p:cTn id="9" fill="hold">
+                            <p:stCondLst>
+                              <p:cond delay="0"/>
+                            </p:stCondLst>
+                            <p:childTnLst>
+                              <p:par>
+                                <p:cTn id="10" presetID="21" presetClass="entr" presetSubtype="1" fill="hold" nodeType="clickEffect">
+                                  <p:stCondLst>
+                                    <p:cond delay="0"/>
+                                  </p:stCondLst>
+                                  <p:childTnLst>
+                                    <p:set>
+                                      <p:cBhvr>
+                                        <p:cTn id="11" dur="1" fill="hold">
+                                          <p:stCondLst>
+                                            <p:cond delay="0"/>
+                                          </p:stCondLst>
+                                        </p:cTn>
+                                        <p:tgtEl>
+                                          <p:spTgt spid="5"/>
+                                        </p:tgtEl>
+                                        <p:attrNameLst>
+                                          <p:attrName>style.visibility</p:attrName>
+                                        </p:attrNameLst>
+                                      </p:cBhvr>
+                                      <p:to>
+                                        <p:strVal val="visible"/>
+                                      </p:to>
+                                    </p:set>
+                                    <p:animEffect transition="in" filter="wheel(1)">
+                                      <p:cBhvr>
+                                        <p:cTn id="12" dur="2000"/>
+                                        <p:tgtEl>
+                                          <p:spTgt spid="5"/>
+                                        </p:tgtEl>
+                                      </p:cBhvr>
+                                    </p:animEffect>
+                                  </p:childTnLst>
+                                </p:cTn>
+                              </p:par>
+                            </p:childTnLst>
+                          </p:cTn>
+                        </p:par>
+                      </p:childTnLst>
+                    </p:cTn>
+                  </p:par>
+                  <p:par>
+                    <p:cTn id="13" fill="hold">
+                      <p:stCondLst>
+                        <p:cond delay="indefinite"/>
+                      </p:stCondLst>
+                      <p:childTnLst>
+                        <p:par>
+                          <p:cTn id="14" fill="hold">
+                            <p:stCondLst>
+                              <p:cond delay="0"/>
+                            </p:stCondLst>
+                            <p:childTnLst>
+                              <p:par>
+                                <p:cTn id="15" presetID="16" presetClass="entr" presetSubtype="21" fill="hold" nodeType="clickEffect">
+                                  <p:stCondLst>
+                                    <p:cond delay="0"/>
+                                  </p:stCondLst>
+                                  <p:childTnLst>
+                                    <p:set>
+                                      <p:cBhvr>
+                                        <p:cTn id="16" dur="1" fill="hold">
+                                          <p:stCondLst>
+                                            <p:cond delay="0"/>
+                                          </p:stCondLst>
+                                        </p:cTn>
+                                        <p:tgtEl>
+                                          <p:spTgt spid="3">
+                                            <p:txEl>
+                                              <p:pRg st="0" end="0"/>
+                                            </p:txEl>
+                                          </p:spTgt>
+                                        </p:tgtEl>
+                                        <p:attrNameLst>
+                                          <p:attrName>style.visibility</p:attrName>
+                                        </p:attrNameLst>
+                                      </p:cBhvr>
+                                      <p:to>
+                                        <p:strVal val="visible"/>
+                                      </p:to>
+                                    </p:set>
+                                    <p:animEffect transition="in" filter="barn(inVertical)">
+                                      <p:cBhvr>
+                                        <p:cTn id="17" dur="500"/>
+                                        <p:tgtEl>
+                                          <p:spTgt spid="3">
+                                            <p:txEl>
+                                              <p:pRg st="0" end="0"/>
+                                            </p:txEl>
+                                          </p:spTgt>
+                                        </p:tgtEl>
+                                      </p:cBhvr>
+                                    </p:animEffect>
+                                  </p:childTnLst>
+                                </p:cTn>
+                              </p:par>
+                            </p:childTnLst>
+                          </p:cTn>
+                        </p:par>
+                      </p:childTnLst>
+                    </p:cTn>
+                  </p:par>
+                  <p:par>
+                    <p:cTn id="18" fill="hold">
+                      <p:stCondLst>
+                        <p:cond delay="indefinite"/>
+                      </p:stCondLst>
+                      <p:childTnLst>
+                        <p:par>
+                          <p:cTn id="19" fill="hold">
+                            <p:stCondLst>
+                              <p:cond delay="0"/>
+                            </p:stCondLst>
+                            <p:childTnLst>
+                              <p:par>
+                                <p:cTn id="20" presetID="16" presetClass="entr" presetSubtype="21" fill="hold" nodeType="clickEffect">
+                                  <p:stCondLst>
+                                    <p:cond delay="0"/>
+                                  </p:stCondLst>
+                                  <p:childTnLst>
+                                    <p:set>
+                                      <p:cBhvr>
+                                        <p:cTn id="21" dur="1" fill="hold">
+                                          <p:stCondLst>
+                                            <p:cond delay="0"/>
+                                          </p:stCondLst>
+                                        </p:cTn>
+                                        <p:tgtEl>
+                                          <p:spTgt spid="3">
+                                            <p:txEl>
+                                              <p:pRg st="1" end="1"/>
+                                            </p:txEl>
+                                          </p:spTgt>
+                                        </p:tgtEl>
+                                        <p:attrNameLst>
+                                          <p:attrName>style.visibility</p:attrName>
+                                        </p:attrNameLst>
+                                      </p:cBhvr>
+                                      <p:to>
+                                        <p:strVal val="visible"/>
+                                      </p:to>
+                                    </p:set>
+                                    <p:animEffect transition="in" filter="barn(inVertical)">
+                                      <p:cBhvr>
+                                        <p:cTn id="22" dur="500"/>
+                                        <p:tgtEl>
+                                          <p:spTgt spid="3">
+                                            <p:txEl>
+                                              <p:pRg st="1" end="1"/>
+                                            </p:txEl>
+                                          </p:spTgt>
+                                        </p:tgtEl>
+                                      </p:cBhvr>
+                                    </p:animEffect>
+                                  </p:childTnLst>
+                                </p:cTn>
+                              </p:par>
+                            </p:childTnLst>
+                          </p:cTn>
+                        </p:par>
+                      </p:childTnLst>
+                    </p:cTn>
+                  </p:par>
+                  <p:par>
+                    <p:cTn id="23" fill="hold">
+                      <p:stCondLst>
+                        <p:cond delay="indefinite"/>
+                      </p:stCondLst>
+                      <p:childTnLst>
+                        <p:par>
+                          <p:cTn id="24" fill="hold">
+                            <p:stCondLst>
+                              <p:cond delay="0"/>
+                            </p:stCondLst>
+                            <p:childTnLst>
+                              <p:par>
+                                <p:cTn id="25" presetID="16" presetClass="entr" presetSubtype="21" fill="hold" nodeType="clickEffect">
+                                  <p:stCondLst>
+                                    <p:cond delay="0"/>
+                                  </p:stCondLst>
+                                  <p:childTnLst>
+                                    <p:set>
+                                      <p:cBhvr>
+                                        <p:cTn id="26" dur="1" fill="hold">
+                                          <p:stCondLst>
+                                            <p:cond delay="0"/>
+                                          </p:stCondLst>
+                                        </p:cTn>
+                                        <p:tgtEl>
+                                          <p:spTgt spid="3">
+                                            <p:txEl>
+                                              <p:pRg st="2" end="2"/>
+                                            </p:txEl>
+                                          </p:spTgt>
+                                        </p:tgtEl>
+                                        <p:attrNameLst>
+                                          <p:attrName>style.visibility</p:attrName>
+                                        </p:attrNameLst>
+                                      </p:cBhvr>
+                                      <p:to>
+                                        <p:strVal val="visible"/>
+                                      </p:to>
+                                    </p:set>
+                                    <p:animEffect transition="in" filter="barn(inVertical)">
+                                      <p:cBhvr>
+                                        <p:cTn id="27" dur="500"/>
+                                        <p:tgtEl>
+                                          <p:spTgt spid="3">
+                                            <p:txEl>
+                                              <p:pRg st="2" end="2"/>
+                                            </p:txEl>
+                                          </p:spTgt>
+                                        </p:tgtEl>
+                                      </p:cBhvr>
+                                    </p:animEffect>
+                                  </p:childTnLst>
+                                </p:cTn>
+                              </p:par>
+                            </p:childTnLst>
+                          </p:cTn>
+                        </p:par>
+                      </p:childTnLst>
+                    </p:cTn>
+                  </p:par>
+                  <p:par>
+                    <p:cTn id="28" fill="hold">
+                      <p:stCondLst>
+                        <p:cond delay="indefinite"/>
+                      </p:stCondLst>
+                      <p:childTnLst>
+                        <p:par>
+                          <p:cTn id="29" fill="hold">
+                            <p:stCondLst>
+                              <p:cond delay="0"/>
+                            </p:stCondLst>
+                            <p:childTnLst>
+                              <p:par>
+                                <p:cTn id="30" presetID="16" presetClass="entr" presetSubtype="21" fill="hold" nodeType="clickEffect">
+                                  <p:stCondLst>
+                                    <p:cond delay="0"/>
+                                  </p:stCondLst>
+                                  <p:childTnLst>
+                                    <p:set>
+                                      <p:cBhvr>
+                                        <p:cTn id="31" dur="1" fill="hold">
+                                          <p:stCondLst>
+                                            <p:cond delay="0"/>
+                                          </p:stCondLst>
+                                        </p:cTn>
+                                        <p:tgtEl>
+                                          <p:spTgt spid="3">
+                                            <p:txEl>
+                                              <p:pRg st="3" end="3"/>
+                                            </p:txEl>
+                                          </p:spTgt>
+                                        </p:tgtEl>
+                                        <p:attrNameLst>
+                                          <p:attrName>style.visibility</p:attrName>
+                                        </p:attrNameLst>
+                                      </p:cBhvr>
+                                      <p:to>
+                                        <p:strVal val="visible"/>
+                                      </p:to>
+                                    </p:set>
+                                    <p:animEffect transition="in" filter="barn(inVertical)">
+                                      <p:cBhvr>
+                                        <p:cTn id="32" dur="500"/>
+                                        <p:tgtEl>
+                                          <p:spTgt spid="3">
+                                            <p:txEl>
+                                              <p:pRg st="3" end="3"/>
+                                            </p:txEl>
+                                          </p:spTgt>
+                                        </p:tgtEl>
+                                      </p:cBhvr>
+                                    </p:animEffect>
+                                  </p:childTnLst>
+                                </p:cTn>
+                              </p:par>
+                            </p:childTnLst>
+                          </p:cTn>
+                        </p:par>
+                      </p:childTnLst>
+                    </p:cTn>
+                  </p:par>
+                </p:childTnLst>
+              </p:cTn>
+              <p:prevCondLst>
+                <p:cond evt="onPrev" delay="0">
+                  <p:tgtEl>
+                    <p:sldTgt/>
+                  </p:tgtEl>
+                </p:cond>
+              </p:prevCondLst>
+              <p:nextCondLst>
+                <p:cond evt="onNext" delay="0">
+                  <p:tgtEl>
+                    <p:sldTgt/>
+                  </p:tgtEl>
+                </p:cond>
+              </p:nextCondLst>
+            </p:seq>
+          </p:childTnLst>
+        </p:cTn>
+      </p:par>
+    </p:tnLst>
+    <p:bldLst>
+      <p:bldP spid="2" grpId="0"/>
+    </p:bldLst>
+  </p:timing>
 </p:sld>
 </file>
 
@@ -4830,6 +5214,194 @@
   <p:clrMapOvr>
     <a:masterClrMapping/>
   </p:clrMapOvr>
+  <p:transition spd="slow">
+    <p:push dir="u"/>
+  </p:transition>
+  <p:timing>
+    <p:tnLst>
+      <p:par>
+        <p:cTn id="1" dur="indefinite" restart="never" nodeType="tmRoot">
+          <p:childTnLst>
+            <p:seq concurrent="1" nextAc="seek">
+              <p:cTn id="2" dur="indefinite" nodeType="mainSeq">
+                <p:childTnLst>
+                  <p:par>
+                    <p:cTn id="3" fill="hold">
+                      <p:stCondLst>
+                        <p:cond delay="indefinite"/>
+                      </p:stCondLst>
+                      <p:childTnLst>
+                        <p:par>
+                          <p:cTn id="4" fill="hold">
+                            <p:stCondLst>
+                              <p:cond delay="0"/>
+                            </p:stCondLst>
+                            <p:childTnLst>
+                              <p:par>
+                                <p:cTn id="5" presetID="6" presetClass="entr" presetSubtype="16" fill="hold" nodeType="clickEffect">
+                                  <p:stCondLst>
+                                    <p:cond delay="0"/>
+                                  </p:stCondLst>
+                                  <p:childTnLst>
+                                    <p:set>
+                                      <p:cBhvr>
+                                        <p:cTn id="6" dur="1" fill="hold">
+                                          <p:stCondLst>
+                                            <p:cond delay="0"/>
+                                          </p:stCondLst>
+                                        </p:cTn>
+                                        <p:tgtEl>
+                                          <p:spTgt spid="7"/>
+                                        </p:tgtEl>
+                                        <p:attrNameLst>
+                                          <p:attrName>style.visibility</p:attrName>
+                                        </p:attrNameLst>
+                                      </p:cBhvr>
+                                      <p:to>
+                                        <p:strVal val="visible"/>
+                                      </p:to>
+                                    </p:set>
+                                    <p:animEffect transition="in" filter="circle(in)">
+                                      <p:cBhvr>
+                                        <p:cTn id="7" dur="2000"/>
+                                        <p:tgtEl>
+                                          <p:spTgt spid="7"/>
+                                        </p:tgtEl>
+                                      </p:cBhvr>
+                                    </p:animEffect>
+                                  </p:childTnLst>
+                                </p:cTn>
+                              </p:par>
+                            </p:childTnLst>
+                          </p:cTn>
+                        </p:par>
+                      </p:childTnLst>
+                    </p:cTn>
+                  </p:par>
+                  <p:par>
+                    <p:cTn id="8" fill="hold">
+                      <p:stCondLst>
+                        <p:cond delay="indefinite"/>
+                      </p:stCondLst>
+                      <p:childTnLst>
+                        <p:par>
+                          <p:cTn id="9" fill="hold">
+                            <p:stCondLst>
+                              <p:cond delay="0"/>
+                            </p:stCondLst>
+                            <p:childTnLst>
+                              <p:par>
+                                <p:cTn id="10" presetID="53" presetClass="entr" presetSubtype="16" fill="hold" grpId="0" nodeType="clickEffect">
+                                  <p:stCondLst>
+                                    <p:cond delay="0"/>
+                                  </p:stCondLst>
+                                  <p:childTnLst>
+                                    <p:set>
+                                      <p:cBhvr>
+                                        <p:cTn id="11" dur="1" fill="hold">
+                                          <p:stCondLst>
+                                            <p:cond delay="0"/>
+                                          </p:stCondLst>
+                                        </p:cTn>
+                                        <p:tgtEl>
+                                          <p:spTgt spid="2"/>
+                                        </p:tgtEl>
+                                        <p:attrNameLst>
+                                          <p:attrName>style.visibility</p:attrName>
+                                        </p:attrNameLst>
+                                      </p:cBhvr>
+                                      <p:to>
+                                        <p:strVal val="visible"/>
+                                      </p:to>
+                                    </p:set>
+                                    <p:anim calcmode="lin" valueType="num">
+                                      <p:cBhvr>
+                                        <p:cTn id="12" dur="500" fill="hold"/>
+                                        <p:tgtEl>
+                                          <p:spTgt spid="2"/>
+                                        </p:tgtEl>
+                                        <p:attrNameLst>
+                                          <p:attrName>ppt_w</p:attrName>
+                                        </p:attrNameLst>
+                                      </p:cBhvr>
+                                      <p:tavLst>
+                                        <p:tav tm="0">
+                                          <p:val>
+                                            <p:fltVal val="0"/>
+                                          </p:val>
+                                        </p:tav>
+                                        <p:tav tm="100000">
+                                          <p:val>
+                                            <p:strVal val="#ppt_w"/>
+                                          </p:val>
+                                        </p:tav>
+                                      </p:tavLst>
+                                    </p:anim>
+                                    <p:anim calcmode="lin" valueType="num">
+                                      <p:cBhvr>
+                                        <p:cTn id="13" dur="500" fill="hold"/>
+                                        <p:tgtEl>
+                                          <p:spTgt spid="2"/>
+                                        </p:tgtEl>
+                                        <p:attrNameLst>
+                                          <p:attrName>ppt_h</p:attrName>
+                                        </p:attrNameLst>
+                                      </p:cBhvr>
+                                      <p:tavLst>
+                                        <p:tav tm="0">
+                                          <p:val>
+                                            <p:fltVal val="0"/>
+                                          </p:val>
+                                        </p:tav>
+                                        <p:tav tm="100000">
+                                          <p:val>
+                                            <p:strVal val="#ppt_h"/>
+                                          </p:val>
+                                        </p:tav>
+                                      </p:tavLst>
+                                    </p:anim>
+                                    <p:animEffect transition="in" filter="fade">
+                                      <p:cBhvr>
+                                        <p:cTn id="14" dur="500"/>
+                                        <p:tgtEl>
+                                          <p:spTgt spid="2"/>
+                                        </p:tgtEl>
+                                      </p:cBhvr>
+                                    </p:animEffect>
+                                  </p:childTnLst>
+                                </p:cTn>
+                              </p:par>
+                            </p:childTnLst>
+                          </p:cTn>
+                        </p:par>
+                      </p:childTnLst>
+                    </p:cTn>
+                  </p:par>
+                </p:childTnLst>
+              </p:cTn>
+              <p:prevCondLst>
+                <p:cond evt="onPrev" delay="0">
+                  <p:tgtEl>
+                    <p:sldTgt/>
+                  </p:tgtEl>
+                </p:cond>
+              </p:prevCondLst>
+              <p:nextCondLst>
+                <p:cond evt="onNext" delay="0">
+                  <p:tgtEl>
+                    <p:sldTgt/>
+                  </p:tgtEl>
+                </p:cond>
+              </p:nextCondLst>
+            </p:seq>
+          </p:childTnLst>
+        </p:cTn>
+      </p:par>
+    </p:tnLst>
+    <p:bldLst>
+      <p:bldP spid="2" grpId="0"/>
+    </p:bldLst>
+  </p:timing>
 </p:sld>
 </file>
 
@@ -5340,6 +5912,148 @@
   <p:clrMapOvr>
     <a:masterClrMapping/>
   </p:clrMapOvr>
+  <p:transition spd="slow">
+    <p:push dir="u"/>
+  </p:transition>
+  <p:timing>
+    <p:tnLst>
+      <p:par>
+        <p:cTn id="1" dur="indefinite" restart="never" nodeType="tmRoot">
+          <p:childTnLst>
+            <p:seq concurrent="1" nextAc="seek">
+              <p:cTn id="2" dur="indefinite" nodeType="mainSeq">
+                <p:childTnLst>
+                  <p:par>
+                    <p:cTn id="3" fill="hold">
+                      <p:stCondLst>
+                        <p:cond delay="indefinite"/>
+                      </p:stCondLst>
+                      <p:childTnLst>
+                        <p:par>
+                          <p:cTn id="4" fill="hold">
+                            <p:stCondLst>
+                              <p:cond delay="0"/>
+                            </p:stCondLst>
+                            <p:childTnLst>
+                              <p:par>
+                                <p:cTn id="5" presetID="21" presetClass="entr" presetSubtype="1" fill="hold" nodeType="clickEffect">
+                                  <p:stCondLst>
+                                    <p:cond delay="0"/>
+                                  </p:stCondLst>
+                                  <p:childTnLst>
+                                    <p:set>
+                                      <p:cBhvr>
+                                        <p:cTn id="6" dur="1" fill="hold">
+                                          <p:stCondLst>
+                                            <p:cond delay="0"/>
+                                          </p:stCondLst>
+                                        </p:cTn>
+                                        <p:tgtEl>
+                                          <p:spTgt spid="5"/>
+                                        </p:tgtEl>
+                                        <p:attrNameLst>
+                                          <p:attrName>style.visibility</p:attrName>
+                                        </p:attrNameLst>
+                                      </p:cBhvr>
+                                      <p:to>
+                                        <p:strVal val="visible"/>
+                                      </p:to>
+                                    </p:set>
+                                    <p:animEffect transition="in" filter="wheel(1)">
+                                      <p:cBhvr>
+                                        <p:cTn id="7" dur="2000"/>
+                                        <p:tgtEl>
+                                          <p:spTgt spid="5"/>
+                                        </p:tgtEl>
+                                      </p:cBhvr>
+                                    </p:animEffect>
+                                  </p:childTnLst>
+                                </p:cTn>
+                              </p:par>
+                            </p:childTnLst>
+                          </p:cTn>
+                        </p:par>
+                      </p:childTnLst>
+                    </p:cTn>
+                  </p:par>
+                  <p:par>
+                    <p:cTn id="8" fill="hold">
+                      <p:stCondLst>
+                        <p:cond delay="indefinite"/>
+                      </p:stCondLst>
+                      <p:childTnLst>
+                        <p:par>
+                          <p:cTn id="9" fill="hold">
+                            <p:stCondLst>
+                              <p:cond delay="0"/>
+                            </p:stCondLst>
+                            <p:childTnLst>
+                              <p:par>
+                                <p:cTn id="10" presetID="14" presetClass="entr" presetSubtype="10" fill="hold" grpId="0" nodeType="clickEffect">
+                                  <p:stCondLst>
+                                    <p:cond delay="0"/>
+                                  </p:stCondLst>
+                                  <p:childTnLst>
+                                    <p:set>
+                                      <p:cBhvr>
+                                        <p:cTn id="11" dur="1" fill="hold">
+                                          <p:stCondLst>
+                                            <p:cond delay="0"/>
+                                          </p:stCondLst>
+                                        </p:cTn>
+                                        <p:tgtEl>
+                                          <p:spTgt spid="2"/>
+                                        </p:tgtEl>
+                                        <p:attrNameLst>
+                                          <p:attrName>style.visibility</p:attrName>
+                                        </p:attrNameLst>
+                                      </p:cBhvr>
+                                      <p:to>
+                                        <p:strVal val="visible"/>
+                                      </p:to>
+                                    </p:set>
+                                    <p:animEffect transition="in" filter="randombar(horizontal)">
+                                      <p:cBhvr>
+                                        <p:cTn id="12" dur="500"/>
+                                        <p:tgtEl>
+                                          <p:spTgt spid="2"/>
+                                        </p:tgtEl>
+                                      </p:cBhvr>
+                                    </p:animEffect>
+                                  </p:childTnLst>
+                                </p:cTn>
+                              </p:par>
+                            </p:childTnLst>
+                          </p:cTn>
+                        </p:par>
+                      </p:childTnLst>
+                    </p:cTn>
+                  </p:par>
+                </p:childTnLst>
+              </p:cTn>
+              <p:prevCondLst>
+                <p:cond evt="onPrev" delay="0">
+                  <p:tgtEl>
+                    <p:sldTgt/>
+                  </p:tgtEl>
+                </p:cond>
+              </p:prevCondLst>
+              <p:nextCondLst>
+                <p:cond evt="onNext" delay="0">
+                  <p:tgtEl>
+                    <p:sldTgt/>
+                  </p:tgtEl>
+                </p:cond>
+              </p:nextCondLst>
+            </p:seq>
+          </p:childTnLst>
+        </p:cTn>
+      </p:par>
+    </p:tnLst>
+    <p:bldLst>
+      <p:bldP spid="2" grpId="0"/>
+    </p:bldLst>
+  </p:timing>
 </p:sld>
 </file>
 
@@ -6021,6 +6735,292 @@
   <p:clrMapOvr>
     <a:masterClrMapping/>
   </p:clrMapOvr>
+  <p:transition spd="slow">
+    <p:push dir="u"/>
+  </p:transition>
+  <p:timing>
+    <p:tnLst>
+      <p:par>
+        <p:cTn id="1" dur="indefinite" restart="never" nodeType="tmRoot">
+          <p:childTnLst>
+            <p:seq concurrent="1" nextAc="seek">
+              <p:cTn id="2" dur="indefinite" nodeType="mainSeq">
+                <p:childTnLst>
+                  <p:par>
+                    <p:cTn id="3" fill="hold">
+                      <p:stCondLst>
+                        <p:cond delay="indefinite"/>
+                      </p:stCondLst>
+                      <p:childTnLst>
+                        <p:par>
+                          <p:cTn id="4" fill="hold">
+                            <p:stCondLst>
+                              <p:cond delay="0"/>
+                            </p:stCondLst>
+                            <p:childTnLst>
+                              <p:par>
+                                <p:cTn id="5" presetID="2" presetClass="entr" presetSubtype="4" fill="hold" grpId="0" nodeType="clickEffect">
+                                  <p:stCondLst>
+                                    <p:cond delay="0"/>
+                                  </p:stCondLst>
+                                  <p:childTnLst>
+                                    <p:set>
+                                      <p:cBhvr>
+                                        <p:cTn id="6" dur="1" fill="hold">
+                                          <p:stCondLst>
+                                            <p:cond delay="0"/>
+                                          </p:stCondLst>
+                                        </p:cTn>
+                                        <p:tgtEl>
+                                          <p:spTgt spid="2"/>
+                                        </p:tgtEl>
+                                        <p:attrNameLst>
+                                          <p:attrName>style.visibility</p:attrName>
+                                        </p:attrNameLst>
+                                      </p:cBhvr>
+                                      <p:to>
+                                        <p:strVal val="visible"/>
+                                      </p:to>
+                                    </p:set>
+                                    <p:anim calcmode="lin" valueType="num">
+                                      <p:cBhvr additive="base">
+                                        <p:cTn id="7" dur="500" fill="hold"/>
+                                        <p:tgtEl>
+                                          <p:spTgt spid="2"/>
+                                        </p:tgtEl>
+                                        <p:attrNameLst>
+                                          <p:attrName>ppt_x</p:attrName>
+                                        </p:attrNameLst>
+                                      </p:cBhvr>
+                                      <p:tavLst>
+                                        <p:tav tm="0">
+                                          <p:val>
+                                            <p:strVal val="#ppt_x"/>
+                                          </p:val>
+                                        </p:tav>
+                                        <p:tav tm="100000">
+                                          <p:val>
+                                            <p:strVal val="#ppt_x"/>
+                                          </p:val>
+                                        </p:tav>
+                                      </p:tavLst>
+                                    </p:anim>
+                                    <p:anim calcmode="lin" valueType="num">
+                                      <p:cBhvr additive="base">
+                                        <p:cTn id="8" dur="500" fill="hold"/>
+                                        <p:tgtEl>
+                                          <p:spTgt spid="2"/>
+                                        </p:tgtEl>
+                                        <p:attrNameLst>
+                                          <p:attrName>ppt_y</p:attrName>
+                                        </p:attrNameLst>
+                                      </p:cBhvr>
+                                      <p:tavLst>
+                                        <p:tav tm="0">
+                                          <p:val>
+                                            <p:strVal val="1+#ppt_h/2"/>
+                                          </p:val>
+                                        </p:tav>
+                                        <p:tav tm="100000">
+                                          <p:val>
+                                            <p:strVal val="#ppt_y"/>
+                                          </p:val>
+                                        </p:tav>
+                                      </p:tavLst>
+                                    </p:anim>
+                                  </p:childTnLst>
+                                </p:cTn>
+                              </p:par>
+                            </p:childTnLst>
+                          </p:cTn>
+                        </p:par>
+                      </p:childTnLst>
+                    </p:cTn>
+                  </p:par>
+                  <p:par>
+                    <p:cTn id="9" fill="hold">
+                      <p:stCondLst>
+                        <p:cond delay="indefinite"/>
+                      </p:stCondLst>
+                      <p:childTnLst>
+                        <p:par>
+                          <p:cTn id="10" fill="hold">
+                            <p:stCondLst>
+                              <p:cond delay="0"/>
+                            </p:stCondLst>
+                            <p:childTnLst>
+                              <p:par>
+                                <p:cTn id="11" presetID="21" presetClass="entr" presetSubtype="1" fill="hold" nodeType="clickEffect">
+                                  <p:stCondLst>
+                                    <p:cond delay="0"/>
+                                  </p:stCondLst>
+                                  <p:childTnLst>
+                                    <p:set>
+                                      <p:cBhvr>
+                                        <p:cTn id="12" dur="1" fill="hold">
+                                          <p:stCondLst>
+                                            <p:cond delay="0"/>
+                                          </p:stCondLst>
+                                        </p:cTn>
+                                        <p:tgtEl>
+                                          <p:spTgt spid="6"/>
+                                        </p:tgtEl>
+                                        <p:attrNameLst>
+                                          <p:attrName>style.visibility</p:attrName>
+                                        </p:attrNameLst>
+                                      </p:cBhvr>
+                                      <p:to>
+                                        <p:strVal val="visible"/>
+                                      </p:to>
+                                    </p:set>
+                                    <p:animEffect transition="in" filter="wheel(1)">
+                                      <p:cBhvr>
+                                        <p:cTn id="13" dur="2000"/>
+                                        <p:tgtEl>
+                                          <p:spTgt spid="6"/>
+                                        </p:tgtEl>
+                                      </p:cBhvr>
+                                    </p:animEffect>
+                                  </p:childTnLst>
+                                </p:cTn>
+                              </p:par>
+                            </p:childTnLst>
+                          </p:cTn>
+                        </p:par>
+                      </p:childTnLst>
+                    </p:cTn>
+                  </p:par>
+                  <p:par>
+                    <p:cTn id="14" fill="hold">
+                      <p:stCondLst>
+                        <p:cond delay="indefinite"/>
+                      </p:stCondLst>
+                      <p:childTnLst>
+                        <p:par>
+                          <p:cTn id="15" fill="hold">
+                            <p:stCondLst>
+                              <p:cond delay="0"/>
+                            </p:stCondLst>
+                            <p:childTnLst>
+                              <p:par>
+                                <p:cTn id="16" presetID="21" presetClass="entr" presetSubtype="1" fill="hold" nodeType="clickEffect">
+                                  <p:stCondLst>
+                                    <p:cond delay="0"/>
+                                  </p:stCondLst>
+                                  <p:childTnLst>
+                                    <p:set>
+                                      <p:cBhvr>
+                                        <p:cTn id="17" dur="1" fill="hold">
+                                          <p:stCondLst>
+                                            <p:cond delay="0"/>
+                                          </p:stCondLst>
+                                        </p:cTn>
+                                        <p:tgtEl>
+                                          <p:spTgt spid="4"/>
+                                        </p:tgtEl>
+                                        <p:attrNameLst>
+                                          <p:attrName>style.visibility</p:attrName>
+                                        </p:attrNameLst>
+                                      </p:cBhvr>
+                                      <p:to>
+                                        <p:strVal val="visible"/>
+                                      </p:to>
+                                    </p:set>
+                                    <p:animEffect transition="in" filter="wheel(1)">
+                                      <p:cBhvr>
+                                        <p:cTn id="18" dur="2000"/>
+                                        <p:tgtEl>
+                                          <p:spTgt spid="4"/>
+                                        </p:tgtEl>
+                                      </p:cBhvr>
+                                    </p:animEffect>
+                                  </p:childTnLst>
+                                </p:cTn>
+                              </p:par>
+                            </p:childTnLst>
+                          </p:cTn>
+                        </p:par>
+                      </p:childTnLst>
+                    </p:cTn>
+                  </p:par>
+                  <p:par>
+                    <p:cTn id="19" fill="hold">
+                      <p:stCondLst>
+                        <p:cond delay="indefinite"/>
+                      </p:stCondLst>
+                      <p:childTnLst>
+                        <p:par>
+                          <p:cTn id="20" fill="hold">
+                            <p:stCondLst>
+                              <p:cond delay="0"/>
+                            </p:stCondLst>
+                            <p:childTnLst>
+                              <p:par>
+                                <p:cTn id="21" presetID="21" presetClass="entr" presetSubtype="1" fill="hold" nodeType="clickEffect">
+                                  <p:stCondLst>
+                                    <p:cond delay="0"/>
+                                  </p:stCondLst>
+                                  <p:childTnLst>
+                                    <p:set>
+                                      <p:cBhvr>
+                                        <p:cTn id="22" dur="1" fill="hold">
+                                          <p:stCondLst>
+                                            <p:cond delay="0"/>
+                                          </p:stCondLst>
+                                        </p:cTn>
+                                        <p:tgtEl>
+                                          <p:spTgt spid="5"/>
+                                        </p:tgtEl>
+                                        <p:attrNameLst>
+                                          <p:attrName>style.visibility</p:attrName>
+                                        </p:attrNameLst>
+                                      </p:cBhvr>
+                                      <p:to>
+                                        <p:strVal val="visible"/>
+                                      </p:to>
+                                    </p:set>
+                                    <p:animEffect transition="in" filter="wheel(1)">
+                                      <p:cBhvr>
+                                        <p:cTn id="23" dur="2000"/>
+                                        <p:tgtEl>
+                                          <p:spTgt spid="5"/>
+                                        </p:tgtEl>
+                                      </p:cBhvr>
+                                    </p:animEffect>
+                                  </p:childTnLst>
+                                </p:cTn>
+                              </p:par>
+                            </p:childTnLst>
+                          </p:cTn>
+                        </p:par>
+                      </p:childTnLst>
+                    </p:cTn>
+                  </p:par>
+                </p:childTnLst>
+              </p:cTn>
+              <p:prevCondLst>
+                <p:cond evt="onPrev" delay="0">
+                  <p:tgtEl>
+                    <p:sldTgt/>
+                  </p:tgtEl>
+                </p:cond>
+              </p:prevCondLst>
+              <p:nextCondLst>
+                <p:cond evt="onNext" delay="0">
+                  <p:tgtEl>
+                    <p:sldTgt/>
+                  </p:tgtEl>
+                </p:cond>
+              </p:nextCondLst>
+            </p:seq>
+          </p:childTnLst>
+        </p:cTn>
+      </p:par>
+    </p:tnLst>
+    <p:bldLst>
+      <p:bldP spid="2" grpId="0"/>
+    </p:bldLst>
+  </p:timing>
 </p:sld>
 </file>
 
@@ -6630,6 +7630,201 @@
   <p:clrMapOvr>
     <a:masterClrMapping/>
   </p:clrMapOvr>
+  <p:transition spd="slow">
+    <p:push dir="u"/>
+  </p:transition>
+  <p:timing>
+    <p:tnLst>
+      <p:par>
+        <p:cTn id="1" dur="indefinite" restart="never" nodeType="tmRoot">
+          <p:childTnLst>
+            <p:seq concurrent="1" nextAc="seek">
+              <p:cTn id="2" dur="indefinite" nodeType="mainSeq">
+                <p:childTnLst>
+                  <p:par>
+                    <p:cTn id="3" fill="hold">
+                      <p:stCondLst>
+                        <p:cond delay="indefinite"/>
+                      </p:stCondLst>
+                      <p:childTnLst>
+                        <p:par>
+                          <p:cTn id="4" fill="hold">
+                            <p:stCondLst>
+                              <p:cond delay="0"/>
+                            </p:stCondLst>
+                            <p:childTnLst>
+                              <p:par>
+                                <p:cTn id="5" presetID="6" presetClass="entr" presetSubtype="16" fill="hold" grpId="0" nodeType="clickEffect">
+                                  <p:stCondLst>
+                                    <p:cond delay="0"/>
+                                  </p:stCondLst>
+                                  <p:childTnLst>
+                                    <p:set>
+                                      <p:cBhvr>
+                                        <p:cTn id="6" dur="1" fill="hold">
+                                          <p:stCondLst>
+                                            <p:cond delay="0"/>
+                                          </p:stCondLst>
+                                        </p:cTn>
+                                        <p:tgtEl>
+                                          <p:spTgt spid="2"/>
+                                        </p:tgtEl>
+                                        <p:attrNameLst>
+                                          <p:attrName>style.visibility</p:attrName>
+                                        </p:attrNameLst>
+                                      </p:cBhvr>
+                                      <p:to>
+                                        <p:strVal val="visible"/>
+                                      </p:to>
+                                    </p:set>
+                                    <p:animEffect transition="in" filter="circle(in)">
+                                      <p:cBhvr>
+                                        <p:cTn id="7" dur="2000"/>
+                                        <p:tgtEl>
+                                          <p:spTgt spid="2"/>
+                                        </p:tgtEl>
+                                      </p:cBhvr>
+                                    </p:animEffect>
+                                  </p:childTnLst>
+                                </p:cTn>
+                              </p:par>
+                            </p:childTnLst>
+                          </p:cTn>
+                        </p:par>
+                      </p:childTnLst>
+                    </p:cTn>
+                  </p:par>
+                  <p:par>
+                    <p:cTn id="8" fill="hold">
+                      <p:stCondLst>
+                        <p:cond delay="indefinite"/>
+                      </p:stCondLst>
+                      <p:childTnLst>
+                        <p:par>
+                          <p:cTn id="9" fill="hold">
+                            <p:stCondLst>
+                              <p:cond delay="0"/>
+                            </p:stCondLst>
+                            <p:childTnLst>
+                              <p:par>
+                                <p:cTn id="10" presetID="14" presetClass="entr" presetSubtype="10" fill="hold" nodeType="clickEffect">
+                                  <p:stCondLst>
+                                    <p:cond delay="0"/>
+                                  </p:stCondLst>
+                                  <p:childTnLst>
+                                    <p:set>
+                                      <p:cBhvr>
+                                        <p:cTn id="11" dur="1" fill="hold">
+                                          <p:stCondLst>
+                                            <p:cond delay="0"/>
+                                          </p:stCondLst>
+                                        </p:cTn>
+                                        <p:tgtEl>
+                                          <p:spTgt spid="7"/>
+                                        </p:tgtEl>
+                                        <p:attrNameLst>
+                                          <p:attrName>style.visibility</p:attrName>
+                                        </p:attrNameLst>
+                                      </p:cBhvr>
+                                      <p:to>
+                                        <p:strVal val="visible"/>
+                                      </p:to>
+                                    </p:set>
+                                    <p:animEffect transition="in" filter="randombar(horizontal)">
+                                      <p:cBhvr>
+                                        <p:cTn id="12" dur="500"/>
+                                        <p:tgtEl>
+                                          <p:spTgt spid="7"/>
+                                        </p:tgtEl>
+                                      </p:cBhvr>
+                                    </p:animEffect>
+                                  </p:childTnLst>
+                                </p:cTn>
+                              </p:par>
+                            </p:childTnLst>
+                          </p:cTn>
+                        </p:par>
+                      </p:childTnLst>
+                    </p:cTn>
+                  </p:par>
+                  <p:par>
+                    <p:cTn id="13" fill="hold">
+                      <p:stCondLst>
+                        <p:cond delay="indefinite"/>
+                      </p:stCondLst>
+                      <p:childTnLst>
+                        <p:par>
+                          <p:cTn id="14" fill="hold">
+                            <p:stCondLst>
+                              <p:cond delay="0"/>
+                            </p:stCondLst>
+                            <p:childTnLst>
+                              <p:par>
+                                <p:cTn id="15" presetID="14" presetClass="entr" presetSubtype="10" fill="hold" nodeType="clickEffect">
+                                  <p:stCondLst>
+                                    <p:cond delay="0"/>
+                                  </p:stCondLst>
+                                  <p:childTnLst>
+                                    <p:set>
+                                      <p:cBhvr>
+                                        <p:cTn id="16" dur="1" fill="hold">
+                                          <p:stCondLst>
+                                            <p:cond delay="0"/>
+                                          </p:stCondLst>
+                                        </p:cTn>
+                                        <p:tgtEl>
+                                          <p:spTgt spid="5"/>
+                                        </p:tgtEl>
+                                        <p:attrNameLst>
+                                          <p:attrName>style.visibility</p:attrName>
+                                        </p:attrNameLst>
+                                      </p:cBhvr>
+                                      <p:to>
+                                        <p:strVal val="visible"/>
+                                      </p:to>
+                                    </p:set>
+                                    <p:animEffect transition="in" filter="randombar(horizontal)">
+                                      <p:cBhvr>
+                                        <p:cTn id="17" dur="500"/>
+                                        <p:tgtEl>
+                                          <p:spTgt spid="5"/>
+                                        </p:tgtEl>
+                                      </p:cBhvr>
+                                    </p:animEffect>
+                                  </p:childTnLst>
+                                </p:cTn>
+                              </p:par>
+                            </p:childTnLst>
+                          </p:cTn>
+                        </p:par>
+                      </p:childTnLst>
+                    </p:cTn>
+                  </p:par>
+                </p:childTnLst>
+              </p:cTn>
+              <p:prevCondLst>
+                <p:cond evt="onPrev" delay="0">
+                  <p:tgtEl>
+                    <p:sldTgt/>
+                  </p:tgtEl>
+                </p:cond>
+              </p:prevCondLst>
+              <p:nextCondLst>
+                <p:cond evt="onNext" delay="0">
+                  <p:tgtEl>
+                    <p:sldTgt/>
+                  </p:tgtEl>
+                </p:cond>
+              </p:nextCondLst>
+            </p:seq>
+          </p:childTnLst>
+        </p:cTn>
+      </p:par>
+    </p:tnLst>
+    <p:bldLst>
+      <p:bldP spid="2" grpId="0"/>
+    </p:bldLst>
+  </p:timing>
 </p:sld>
 </file>
 
@@ -7140,6 +8335,9 @@
   <p:clrMapOvr>
     <a:masterClrMapping/>
   </p:clrMapOvr>
+  <p:transition spd="slow">
+    <p:push dir="u"/>
+  </p:transition>
 </p:sld>
 </file>
 
